--- a/obj_diag_12.5.16.pptx
+++ b/obj_diag_12.5.16.pptx
@@ -104,6 +104,11 @@
       </a:defRPr>
     </a:lvl9pPr>
   </p:defaultTextStyle>
+  <p:extLst>
+    <p:ext uri="{EFAFB233-063F-42B5-8137-9DF3F51BA10A}">
+      <p15:sldGuideLst xmlns:p15="http://schemas.microsoft.com/office/powerpoint/2012/main"/>
+    </p:ext>
+  </p:extLst>
 </p:presentation>
 </file>
 
@@ -238,7 +243,7 @@
           <a:p>
             <a:fld id="{B5734F2B-7D61-4B3B-AB1C-3D377A055AA6}" type="datetimeFigureOut">
               <a:rPr lang="en-US" smtClean="0"/>
-              <a:t>12/5/2016</a:t>
+              <a:t>12/6/2016</a:t>
             </a:fld>
             <a:endParaRPr lang="en-US"/>
           </a:p>
@@ -408,7 +413,7 @@
           <a:p>
             <a:fld id="{B5734F2B-7D61-4B3B-AB1C-3D377A055AA6}" type="datetimeFigureOut">
               <a:rPr lang="en-US" smtClean="0"/>
-              <a:t>12/5/2016</a:t>
+              <a:t>12/6/2016</a:t>
             </a:fld>
             <a:endParaRPr lang="en-US"/>
           </a:p>
@@ -588,7 +593,7 @@
           <a:p>
             <a:fld id="{B5734F2B-7D61-4B3B-AB1C-3D377A055AA6}" type="datetimeFigureOut">
               <a:rPr lang="en-US" smtClean="0"/>
-              <a:t>12/5/2016</a:t>
+              <a:t>12/6/2016</a:t>
             </a:fld>
             <a:endParaRPr lang="en-US"/>
           </a:p>
@@ -758,7 +763,7 @@
           <a:p>
             <a:fld id="{B5734F2B-7D61-4B3B-AB1C-3D377A055AA6}" type="datetimeFigureOut">
               <a:rPr lang="en-US" smtClean="0"/>
-              <a:t>12/5/2016</a:t>
+              <a:t>12/6/2016</a:t>
             </a:fld>
             <a:endParaRPr lang="en-US"/>
           </a:p>
@@ -1004,7 +1009,7 @@
           <a:p>
             <a:fld id="{B5734F2B-7D61-4B3B-AB1C-3D377A055AA6}" type="datetimeFigureOut">
               <a:rPr lang="en-US" smtClean="0"/>
-              <a:t>12/5/2016</a:t>
+              <a:t>12/6/2016</a:t>
             </a:fld>
             <a:endParaRPr lang="en-US"/>
           </a:p>
@@ -1236,7 +1241,7 @@
           <a:p>
             <a:fld id="{B5734F2B-7D61-4B3B-AB1C-3D377A055AA6}" type="datetimeFigureOut">
               <a:rPr lang="en-US" smtClean="0"/>
-              <a:t>12/5/2016</a:t>
+              <a:t>12/6/2016</a:t>
             </a:fld>
             <a:endParaRPr lang="en-US"/>
           </a:p>
@@ -1603,7 +1608,7 @@
           <a:p>
             <a:fld id="{B5734F2B-7D61-4B3B-AB1C-3D377A055AA6}" type="datetimeFigureOut">
               <a:rPr lang="en-US" smtClean="0"/>
-              <a:t>12/5/2016</a:t>
+              <a:t>12/6/2016</a:t>
             </a:fld>
             <a:endParaRPr lang="en-US"/>
           </a:p>
@@ -1721,7 +1726,7 @@
           <a:p>
             <a:fld id="{B5734F2B-7D61-4B3B-AB1C-3D377A055AA6}" type="datetimeFigureOut">
               <a:rPr lang="en-US" smtClean="0"/>
-              <a:t>12/5/2016</a:t>
+              <a:t>12/6/2016</a:t>
             </a:fld>
             <a:endParaRPr lang="en-US"/>
           </a:p>
@@ -1816,7 +1821,7 @@
           <a:p>
             <a:fld id="{B5734F2B-7D61-4B3B-AB1C-3D377A055AA6}" type="datetimeFigureOut">
               <a:rPr lang="en-US" smtClean="0"/>
-              <a:t>12/5/2016</a:t>
+              <a:t>12/6/2016</a:t>
             </a:fld>
             <a:endParaRPr lang="en-US"/>
           </a:p>
@@ -2093,7 +2098,7 @@
           <a:p>
             <a:fld id="{B5734F2B-7D61-4B3B-AB1C-3D377A055AA6}" type="datetimeFigureOut">
               <a:rPr lang="en-US" smtClean="0"/>
-              <a:t>12/5/2016</a:t>
+              <a:t>12/6/2016</a:t>
             </a:fld>
             <a:endParaRPr lang="en-US"/>
           </a:p>
@@ -2346,7 +2351,7 @@
           <a:p>
             <a:fld id="{B5734F2B-7D61-4B3B-AB1C-3D377A055AA6}" type="datetimeFigureOut">
               <a:rPr lang="en-US" smtClean="0"/>
-              <a:t>12/5/2016</a:t>
+              <a:t>12/6/2016</a:t>
             </a:fld>
             <a:endParaRPr lang="en-US"/>
           </a:p>
@@ -2559,7 +2564,7 @@
           <a:p>
             <a:fld id="{B5734F2B-7D61-4B3B-AB1C-3D377A055AA6}" type="datetimeFigureOut">
               <a:rPr lang="en-US" smtClean="0"/>
-              <a:t>12/5/2016</a:t>
+              <a:t>12/6/2016</a:t>
             </a:fld>
             <a:endParaRPr lang="en-US"/>
           </a:p>
@@ -4539,8 +4544,8 @@
           <p:nvPr/>
         </p:nvSpPr>
         <p:spPr>
-          <a:xfrm rot="3111778">
-            <a:off x="1351589" y="1163790"/>
+          <a:xfrm rot="1663838">
+            <a:off x="1688157" y="1397301"/>
             <a:ext cx="1892435" cy="369332"/>
           </a:xfrm>
           <a:prstGeom prst="rect">
@@ -5230,6 +5235,148 @@
           </a:p>
         </p:txBody>
       </p:sp>
+      <p:sp>
+        <p:nvSpPr>
+          <p:cNvPr id="67" name="TextBox 66"/>
+          <p:cNvSpPr txBox="1"/>
+          <p:nvPr/>
+        </p:nvSpPr>
+        <p:spPr>
+          <a:xfrm>
+            <a:off x="2851597" y="193163"/>
+            <a:ext cx="1205163" cy="646331"/>
+          </a:xfrm>
+          <a:prstGeom prst="rect">
+            <a:avLst/>
+          </a:prstGeom>
+          <a:noFill/>
+          <a:ln>
+            <a:solidFill>
+              <a:schemeClr val="tx1"/>
+            </a:solidFill>
+          </a:ln>
+        </p:spPr>
+        <p:txBody>
+          <a:bodyPr wrap="square" rtlCol="0">
+            <a:spAutoFit/>
+          </a:bodyPr>
+          <a:lstStyle/>
+          <a:p>
+            <a:r>
+              <a:rPr lang="en-US" dirty="0" smtClean="0"/>
+              <a:t>Customer View</a:t>
+            </a:r>
+            <a:endParaRPr lang="en-US" dirty="0"/>
+          </a:p>
+        </p:txBody>
+      </p:sp>
+      <p:sp>
+        <p:nvSpPr>
+          <p:cNvPr id="68" name="TextBox 67"/>
+          <p:cNvSpPr txBox="1"/>
+          <p:nvPr/>
+        </p:nvSpPr>
+        <p:spPr>
+          <a:xfrm>
+            <a:off x="2818483" y="1030500"/>
+            <a:ext cx="1205163" cy="369332"/>
+          </a:xfrm>
+          <a:prstGeom prst="rect">
+            <a:avLst/>
+          </a:prstGeom>
+          <a:noFill/>
+          <a:ln>
+            <a:solidFill>
+              <a:schemeClr val="tx1"/>
+            </a:solidFill>
+          </a:ln>
+        </p:spPr>
+        <p:txBody>
+          <a:bodyPr wrap="square" rtlCol="0">
+            <a:spAutoFit/>
+          </a:bodyPr>
+          <a:lstStyle/>
+          <a:p>
+            <a:r>
+              <a:rPr lang="en-US" dirty="0" smtClean="0"/>
+              <a:t>Staff View</a:t>
+            </a:r>
+            <a:endParaRPr lang="en-US" dirty="0"/>
+          </a:p>
+        </p:txBody>
+      </p:sp>
+      <p:cxnSp>
+        <p:nvCxnSpPr>
+          <p:cNvPr id="20" name="Straight Arrow Connector 19"/>
+          <p:cNvCxnSpPr>
+            <a:stCxn id="2" idx="3"/>
+            <a:endCxn id="67" idx="1"/>
+          </p:cNvCxnSpPr>
+          <p:nvPr/>
+        </p:nvCxnSpPr>
+        <p:spPr>
+          <a:xfrm flipV="1">
+            <a:off x="1628477" y="516329"/>
+            <a:ext cx="1223120" cy="410300"/>
+          </a:xfrm>
+          <a:prstGeom prst="straightConnector1">
+            <a:avLst/>
+          </a:prstGeom>
+          <a:ln>
+            <a:tailEnd type="triangle"/>
+          </a:ln>
+        </p:spPr>
+        <p:style>
+          <a:lnRef idx="1">
+            <a:schemeClr val="accent1"/>
+          </a:lnRef>
+          <a:fillRef idx="0">
+            <a:schemeClr val="accent1"/>
+          </a:fillRef>
+          <a:effectRef idx="0">
+            <a:schemeClr val="accent1"/>
+          </a:effectRef>
+          <a:fontRef idx="minor">
+            <a:schemeClr val="tx1"/>
+          </a:fontRef>
+        </p:style>
+      </p:cxnSp>
+      <p:cxnSp>
+        <p:nvCxnSpPr>
+          <p:cNvPr id="22" name="Straight Arrow Connector 21"/>
+          <p:cNvCxnSpPr>
+            <a:stCxn id="2" idx="3"/>
+            <a:endCxn id="68" idx="1"/>
+          </p:cNvCxnSpPr>
+          <p:nvPr/>
+        </p:nvCxnSpPr>
+        <p:spPr>
+          <a:xfrm>
+            <a:off x="1628477" y="926629"/>
+            <a:ext cx="1190006" cy="288537"/>
+          </a:xfrm>
+          <a:prstGeom prst="straightConnector1">
+            <a:avLst/>
+          </a:prstGeom>
+          <a:ln>
+            <a:tailEnd type="triangle"/>
+          </a:ln>
+        </p:spPr>
+        <p:style>
+          <a:lnRef idx="1">
+            <a:schemeClr val="accent1"/>
+          </a:lnRef>
+          <a:fillRef idx="0">
+            <a:schemeClr val="accent1"/>
+          </a:fillRef>
+          <a:effectRef idx="0">
+            <a:schemeClr val="accent1"/>
+          </a:effectRef>
+          <a:fontRef idx="minor">
+            <a:schemeClr val="tx1"/>
+          </a:fontRef>
+        </p:style>
+      </p:cxnSp>
     </p:spTree>
     <p:extLst>
       <p:ext uri="{BB962C8B-B14F-4D97-AF65-F5344CB8AC3E}">

--- a/obj_diag_12.5.16.pptx
+++ b/obj_diag_12.5.16.pptx
@@ -5307,15 +5307,15 @@
       </p:sp>
       <p:cxnSp>
         <p:nvCxnSpPr>
-          <p:cNvPr id="20" name="Straight Arrow Connector 19"/>
+          <p:cNvPr id="24" name="Straight Arrow Connector 23"/>
           <p:cNvCxnSpPr>
-            <a:stCxn id="2" idx="3"/>
-            <a:endCxn id="67" idx="1"/>
+            <a:stCxn id="67" idx="1"/>
+            <a:endCxn id="2" idx="3"/>
           </p:cNvCxnSpPr>
           <p:nvPr/>
         </p:nvCxnSpPr>
         <p:spPr>
-          <a:xfrm flipV="1">
+          <a:xfrm flipH="1">
             <a:off x="1628477" y="516329"/>
             <a:ext cx="1223120" cy="410300"/>
           </a:xfrm>
@@ -5343,15 +5343,15 @@
       </p:cxnSp>
       <p:cxnSp>
         <p:nvCxnSpPr>
-          <p:cNvPr id="22" name="Straight Arrow Connector 21"/>
+          <p:cNvPr id="26" name="Straight Arrow Connector 25"/>
           <p:cNvCxnSpPr>
-            <a:stCxn id="2" idx="3"/>
-            <a:endCxn id="68" idx="1"/>
+            <a:stCxn id="68" idx="1"/>
+            <a:endCxn id="2" idx="3"/>
           </p:cNvCxnSpPr>
           <p:nvPr/>
         </p:nvCxnSpPr>
         <p:spPr>
-          <a:xfrm>
+          <a:xfrm flipH="1" flipV="1">
             <a:off x="1628477" y="926629"/>
             <a:ext cx="1190006" cy="288537"/>
           </a:xfrm>
